--- a/DEMO BACKSTAGE.pptx
+++ b/DEMO BACKSTAGE.pptx
@@ -5,7 +5,7 @@
     <p:sldMasterId id="2147483660" r:id="rId4"/>
   </p:sldMasterIdLst>
   <p:notesMasterIdLst>
-    <p:notesMasterId r:id="rId12"/>
+    <p:notesMasterId r:id="rId13"/>
   </p:notesMasterIdLst>
   <p:sldIdLst>
     <p:sldId id="259" r:id="rId5"/>
@@ -14,7 +14,8 @@
     <p:sldId id="294" r:id="rId8"/>
     <p:sldId id="308" r:id="rId9"/>
     <p:sldId id="296" r:id="rId10"/>
-    <p:sldId id="301" r:id="rId11"/>
+    <p:sldId id="309" r:id="rId11"/>
+    <p:sldId id="301" r:id="rId12"/>
   </p:sldIdLst>
   <p:sldSz cx="12192000" cy="6858000"/>
   <p:notesSz cx="6858000" cy="9144000"/>
@@ -10761,15 +10762,6 @@
           <a:solidFill>
             <a:srgbClr val="FFFFFF"/>
           </a:solidFill>
-          <a:extLst>
-            <a:ext uri="{909E8E84-426E-40DD-AFC4-6F175D3DCCD1}">
-              <a14:hiddenFill xmlns:a14="http://schemas.microsoft.com/office/drawing/2010/main">
-                <a:solidFill>
-                  <a:srgbClr val="FFFFFF"/>
-                </a:solidFill>
-              </a14:hiddenFill>
-            </a:ext>
-          </a:extLst>
         </p:spPr>
       </p:pic>
       <p:sp>
@@ -11972,6 +11964,128 @@
       </p:grpSpPr>
       <p:sp>
         <p:nvSpPr>
+          <p:cNvPr id="5" name="Slide Number Placeholder 4">
+            <a:extLst>
+              <a:ext uri="{FF2B5EF4-FFF2-40B4-BE49-F238E27FC236}">
+                <a16:creationId xmlns:a16="http://schemas.microsoft.com/office/drawing/2014/main" id="{B3382B21-C3F8-4AFE-B312-73185912C7F6}"/>
+              </a:ext>
+            </a:extLst>
+          </p:cNvPr>
+          <p:cNvSpPr>
+            <a:spLocks noGrp="1"/>
+          </p:cNvSpPr>
+          <p:nvPr>
+            <p:ph type="sldNum" sz="quarter" idx="12"/>
+          </p:nvPr>
+        </p:nvSpPr>
+        <p:spPr/>
+        <p:txBody>
+          <a:bodyPr/>
+          <a:lstStyle/>
+          <a:p>
+            <a:fld id="{312CC964-A50B-4C29-B4E4-2C30BB34CCF3}" type="slidenum">
+              <a:rPr lang="en-US" smtClean="0"/>
+              <a:t>7</a:t>
+            </a:fld>
+            <a:endParaRPr lang="en-US" dirty="0"/>
+          </a:p>
+        </p:txBody>
+      </p:sp>
+      <p:pic>
+        <p:nvPicPr>
+          <p:cNvPr id="7" name="Picture 6">
+            <a:extLst>
+              <a:ext uri="{FF2B5EF4-FFF2-40B4-BE49-F238E27FC236}">
+                <a16:creationId xmlns:a16="http://schemas.microsoft.com/office/drawing/2014/main" id="{81E20239-D492-BCCD-E23F-1E6AADA4CF81}"/>
+              </a:ext>
+            </a:extLst>
+          </p:cNvPr>
+          <p:cNvPicPr>
+            <a:picLocks noChangeAspect="1"/>
+          </p:cNvPicPr>
+          <p:nvPr/>
+        </p:nvPicPr>
+        <p:blipFill>
+          <a:blip r:embed="rId2"/>
+          <a:stretch>
+            <a:fillRect/>
+          </a:stretch>
+        </p:blipFill>
+        <p:spPr>
+          <a:xfrm>
+            <a:off x="1981201" y="851738"/>
+            <a:ext cx="8758334" cy="5912265"/>
+          </a:xfrm>
+          <a:prstGeom prst="rect">
+            <a:avLst/>
+          </a:prstGeom>
+        </p:spPr>
+      </p:pic>
+      <p:sp>
+        <p:nvSpPr>
+          <p:cNvPr id="8" name="Title 1">
+            <a:extLst>
+              <a:ext uri="{FF2B5EF4-FFF2-40B4-BE49-F238E27FC236}">
+                <a16:creationId xmlns:a16="http://schemas.microsoft.com/office/drawing/2014/main" id="{67BAF02C-313F-EE00-0960-4E2B86591475}"/>
+              </a:ext>
+            </a:extLst>
+          </p:cNvPr>
+          <p:cNvSpPr>
+            <a:spLocks noGrp="1"/>
+          </p:cNvSpPr>
+          <p:nvPr>
+            <p:ph type="title"/>
+          </p:nvPr>
+        </p:nvSpPr>
+        <p:spPr>
+          <a:xfrm>
+            <a:off x="536510" y="-222379"/>
+            <a:ext cx="9906000" cy="1382156"/>
+          </a:xfrm>
+        </p:spPr>
+        <p:txBody>
+          <a:bodyPr/>
+          <a:lstStyle/>
+          <a:p>
+            <a:r>
+              <a:rPr lang="en-US" dirty="0"/>
+              <a:t>DEMO </a:t>
+            </a:r>
+          </a:p>
+        </p:txBody>
+      </p:sp>
+    </p:spTree>
+    <p:extLst>
+      <p:ext uri="{BB962C8B-B14F-4D97-AF65-F5344CB8AC3E}">
+        <p14:creationId xmlns:p14="http://schemas.microsoft.com/office/powerpoint/2010/main" val="2208070064"/>
+      </p:ext>
+    </p:extLst>
+  </p:cSld>
+  <p:clrMapOvr>
+    <a:masterClrMapping/>
+  </p:clrMapOvr>
+</p:sld>
+</file>
+
+<file path=ppt/slides/slide8.xml><?xml version="1.0" encoding="utf-8"?>
+<p:sld xmlns:a="http://schemas.openxmlformats.org/drawingml/2006/main" xmlns:r="http://schemas.openxmlformats.org/officeDocument/2006/relationships" xmlns:p="http://schemas.openxmlformats.org/presentationml/2006/main">
+  <p:cSld>
+    <p:spTree>
+      <p:nvGrpSpPr>
+        <p:cNvPr id="1" name=""/>
+        <p:cNvGrpSpPr/>
+        <p:nvPr/>
+      </p:nvGrpSpPr>
+      <p:grpSpPr>
+        <a:xfrm>
+          <a:off x="0" y="0"/>
+          <a:ext cx="0" cy="0"/>
+          <a:chOff x="0" y="0"/>
+          <a:chExt cx="0" cy="0"/>
+        </a:xfrm>
+      </p:grpSpPr>
+      <p:sp>
+        <p:nvSpPr>
           <p:cNvPr id="2" name="Title 1">
             <a:extLst>
               <a:ext uri="{FF2B5EF4-FFF2-40B4-BE49-F238E27FC236}">
@@ -12146,7 +12260,7 @@
             <a:fld id="{312CC964-A50B-4C29-B4E4-2C30BB34CCF3}" type="slidenum">
               <a:rPr lang="en-US" smtClean="0"/>
               <a:pPr/>
-              <a:t>7</a:t>
+              <a:t>8</a:t>
             </a:fld>
             <a:endParaRPr lang="en-US" dirty="0"/>
           </a:p>
@@ -12682,6 +12796,15 @@
 </file>
 
 <file path=customXml/item2.xml><?xml version="1.0" encoding="utf-8"?>
+<?mso-contentType ?>
+<FormTemplates xmlns="http://schemas.microsoft.com/sharepoint/v3/contenttype/forms">
+  <Display>DocumentLibraryForm</Display>
+  <Edit>DocumentLibraryForm</Edit>
+  <New>DocumentLibraryForm</New>
+</FormTemplates>
+</file>
+
+<file path=customXml/item3.xml><?xml version="1.0" encoding="utf-8"?>
 <ct:contentTypeSchema xmlns:ct="http://schemas.microsoft.com/office/2006/metadata/contentType" xmlns:ma="http://schemas.microsoft.com/office/2006/metadata/properties/metaAttributes" ct:_="" ma:_="" ma:contentTypeName="Document" ma:contentTypeID="0x01010079F111ED35F8CC479449609E8A0923A6" ma:contentTypeVersion="28" ma:contentTypeDescription="Create a new document." ma:contentTypeScope="" ma:versionID="60f5a4f2d2b0abadcf532d48ebf9cb71">
   <xsd:schema xmlns:xsd="http://www.w3.org/2001/XMLSchema" xmlns:xs="http://www.w3.org/2001/XMLSchema" xmlns:p="http://schemas.microsoft.com/office/2006/metadata/properties" xmlns:ns1="http://schemas.microsoft.com/sharepoint/v3" xmlns:ns2="71af3243-3dd4-4a8d-8c0d-dd76da1f02a5" xmlns:ns3="16c05727-aa75-4e4a-9b5f-8a80a1165891" xmlns:ns4="230e9df3-be65-4c73-a93b-d1236ebd677e" targetNamespace="http://schemas.microsoft.com/office/2006/metadata/properties" ma:root="true" ma:fieldsID="7dd78129e6a1811f84807ad11c651531" ns1:_="" ns2:_="" ns3:_="" ns4:_="">
     <xsd:import namespace="http://schemas.microsoft.com/sharepoint/v3"/>
@@ -12993,15 +13116,6 @@
 </ct:contentTypeSchema>
 </file>
 
-<file path=customXml/item3.xml><?xml version="1.0" encoding="utf-8"?>
-<?mso-contentType ?>
-<FormTemplates xmlns="http://schemas.microsoft.com/sharepoint/v3/contenttype/forms">
-  <Display>DocumentLibraryForm</Display>
-  <Edit>DocumentLibraryForm</Edit>
-  <New>DocumentLibraryForm</New>
-</FormTemplates>
-</file>
-
 <file path=customXml/itemProps1.xml><?xml version="1.0" encoding="utf-8"?>
 <ds:datastoreItem xmlns:ds="http://schemas.openxmlformats.org/officeDocument/2006/customXml" ds:itemID="{AC263D7C-E9CB-4C77-8528-77A30083B7FC}">
   <ds:schemaRefs>
@@ -13015,6 +13129,14 @@
 </file>
 
 <file path=customXml/itemProps2.xml><?xml version="1.0" encoding="utf-8"?>
+<ds:datastoreItem xmlns:ds="http://schemas.openxmlformats.org/officeDocument/2006/customXml" ds:itemID="{191F1737-EB5A-49A3-BFCA-A97A8DCDF401}">
+  <ds:schemaRefs>
+    <ds:schemaRef ds:uri="http://schemas.microsoft.com/sharepoint/v3/contenttype/forms"/>
+  </ds:schemaRefs>
+</ds:datastoreItem>
+</file>
+
+<file path=customXml/itemProps3.xml><?xml version="1.0" encoding="utf-8"?>
 <ds:datastoreItem xmlns:ds="http://schemas.openxmlformats.org/officeDocument/2006/customXml" ds:itemID="{5462B0DF-AFCF-4681-BDD6-4CC4EE7AE353}">
   <ds:schemaRefs>
     <ds:schemaRef ds:uri="http://schemas.microsoft.com/office/2006/metadata/contentType"/>
@@ -13035,14 +13157,6 @@
 </ds:datastoreItem>
 </file>
 
-<file path=customXml/itemProps3.xml><?xml version="1.0" encoding="utf-8"?>
-<ds:datastoreItem xmlns:ds="http://schemas.openxmlformats.org/officeDocument/2006/customXml" ds:itemID="{191F1737-EB5A-49A3-BFCA-A97A8DCDF401}">
-  <ds:schemaRefs>
-    <ds:schemaRef ds:uri="http://schemas.microsoft.com/sharepoint/v3/contenttype/forms"/>
-  </ds:schemaRefs>
-</ds:datastoreItem>
-</file>
-
 <file path=docMetadata/LabelInfo.xml><?xml version="1.0" encoding="utf-8"?>
 <clbl:labelList xmlns:clbl="http://schemas.microsoft.com/office/2020/mipLabelMetadata"/>
 </file>
--- a/DEMO BACKSTAGE.pptx
+++ b/DEMO BACKSTAGE.pptx
@@ -11991,12 +11991,45 @@
           </a:p>
         </p:txBody>
       </p:sp>
+      <p:sp>
+        <p:nvSpPr>
+          <p:cNvPr id="8" name="Title 1">
+            <a:extLst>
+              <a:ext uri="{FF2B5EF4-FFF2-40B4-BE49-F238E27FC236}">
+                <a16:creationId xmlns:a16="http://schemas.microsoft.com/office/drawing/2014/main" id="{67BAF02C-313F-EE00-0960-4E2B86591475}"/>
+              </a:ext>
+            </a:extLst>
+          </p:cNvPr>
+          <p:cNvSpPr>
+            <a:spLocks noGrp="1"/>
+          </p:cNvSpPr>
+          <p:nvPr>
+            <p:ph type="title"/>
+          </p:nvPr>
+        </p:nvSpPr>
+        <p:spPr>
+          <a:xfrm>
+            <a:off x="536510" y="-222379"/>
+            <a:ext cx="9906000" cy="1382156"/>
+          </a:xfrm>
+        </p:spPr>
+        <p:txBody>
+          <a:bodyPr/>
+          <a:lstStyle/>
+          <a:p>
+            <a:r>
+              <a:rPr lang="en-US" dirty="0"/>
+              <a:t>DEMO </a:t>
+            </a:r>
+          </a:p>
+        </p:txBody>
+      </p:sp>
       <p:pic>
         <p:nvPicPr>
-          <p:cNvPr id="7" name="Picture 6">
-            <a:extLst>
-              <a:ext uri="{FF2B5EF4-FFF2-40B4-BE49-F238E27FC236}">
-                <a16:creationId xmlns:a16="http://schemas.microsoft.com/office/drawing/2014/main" id="{81E20239-D492-BCCD-E23F-1E6AADA4CF81}"/>
+          <p:cNvPr id="3" name="Picture 2">
+            <a:extLst>
+              <a:ext uri="{FF2B5EF4-FFF2-40B4-BE49-F238E27FC236}">
+                <a16:creationId xmlns:a16="http://schemas.microsoft.com/office/drawing/2014/main" id="{9A3D031F-DE3D-1B39-B8A2-191F0F2825BE}"/>
               </a:ext>
             </a:extLst>
           </p:cNvPr>
@@ -12013,47 +12046,14 @@
         </p:blipFill>
         <p:spPr>
           <a:xfrm>
-            <a:off x="1981201" y="851738"/>
-            <a:ext cx="8758334" cy="5912265"/>
+            <a:off x="2984864" y="656293"/>
+            <a:ext cx="7034114" cy="6107710"/>
           </a:xfrm>
           <a:prstGeom prst="rect">
             <a:avLst/>
           </a:prstGeom>
         </p:spPr>
       </p:pic>
-      <p:sp>
-        <p:nvSpPr>
-          <p:cNvPr id="8" name="Title 1">
-            <a:extLst>
-              <a:ext uri="{FF2B5EF4-FFF2-40B4-BE49-F238E27FC236}">
-                <a16:creationId xmlns:a16="http://schemas.microsoft.com/office/drawing/2014/main" id="{67BAF02C-313F-EE00-0960-4E2B86591475}"/>
-              </a:ext>
-            </a:extLst>
-          </p:cNvPr>
-          <p:cNvSpPr>
-            <a:spLocks noGrp="1"/>
-          </p:cNvSpPr>
-          <p:nvPr>
-            <p:ph type="title"/>
-          </p:nvPr>
-        </p:nvSpPr>
-        <p:spPr>
-          <a:xfrm>
-            <a:off x="536510" y="-222379"/>
-            <a:ext cx="9906000" cy="1382156"/>
-          </a:xfrm>
-        </p:spPr>
-        <p:txBody>
-          <a:bodyPr/>
-          <a:lstStyle/>
-          <a:p>
-            <a:r>
-              <a:rPr lang="en-US" dirty="0"/>
-              <a:t>DEMO </a:t>
-            </a:r>
-          </a:p>
-        </p:txBody>
-      </p:sp>
     </p:spTree>
     <p:extLst>
       <p:ext uri="{BB962C8B-B14F-4D97-AF65-F5344CB8AC3E}">
